--- a/docs/Final_Really_Presentation.pptx
+++ b/docs/Final_Really_Presentation.pptx
@@ -275,7 +275,7 @@
       </p15:sldGuideLst>
     </p:ext>
     <p:ext uri="GoogleSlidesCustomDataVersion2">
-      <go:slidesCustomData xmlns:go="http://customooxmlschemas.google.com/" xmlns:ahyp="http://schemas.microsoft.com/office/drawing/2018/hyperlinkcolor" xmlns:p15="http://schemas.microsoft.com/office/powerpoint/2012/main" xmlns:p14="http://schemas.microsoft.com/office/powerpoint/2010/main" xmlns:com="http://schemas.openxmlformats.org/drawingml/2006/compatibility" xmlns:pvml="urn:schemas-microsoft-com:office:powerpoint" xmlns:v="urn:schemas-microsoft-com:vml" xmlns:o="urn:schemas-microsoft-com:office:office" xmlns:dgm="http://schemas.openxmlformats.org/drawingml/2006/diagram" xmlns:c="http://schemas.openxmlformats.org/drawingml/2006/chart" xmlns:mv="urn:schemas-microsoft-com:mac:vml" xmlns:mc="http://schemas.openxmlformats.org/markup-compatibility/2006" xmlns="" r:id="rId20" roundtripDataSignature="AMtx7mgAjmVNscf6zQqDp3jfjwj77Y4w4Q=="/>
+      <go:slidesCustomData xmlns="" xmlns:mc="http://schemas.openxmlformats.org/markup-compatibility/2006" xmlns:mv="urn:schemas-microsoft-com:mac:vml" xmlns:c="http://schemas.openxmlformats.org/drawingml/2006/chart" xmlns:dgm="http://schemas.openxmlformats.org/drawingml/2006/diagram" xmlns:o="urn:schemas-microsoft-com:office:office" xmlns:v="urn:schemas-microsoft-com:vml" xmlns:pvml="urn:schemas-microsoft-com:office:powerpoint" xmlns:com="http://schemas.openxmlformats.org/drawingml/2006/compatibility" xmlns:p14="http://schemas.microsoft.com/office/powerpoint/2010/main" xmlns:p15="http://schemas.microsoft.com/office/powerpoint/2012/main" xmlns:ahyp="http://schemas.microsoft.com/office/drawing/2018/hyperlinkcolor" xmlns:go="http://customooxmlschemas.google.com/" r:id="rId20" roundtripDataSignature="AMtx7mgAjmVNscf6zQqDp3jfjwj77Y4w4Q=="/>
     </p:ext>
   </p:extLst>
 </p:presentation>
@@ -13837,7 +13837,7 @@
         </p:spPr>
         <p:txBody>
           <a:bodyPr spcFirstLastPara="1" wrap="square" lIns="91425" tIns="91425" rIns="91425" bIns="91425" anchor="t" anchorCtr="0">
-            <a:normAutofit fontScale="70000" lnSpcReduction="20000"/>
+            <a:normAutofit fontScale="55000" lnSpcReduction="20000"/>
           </a:bodyPr>
           <a:lstStyle/>
           <a:p>
@@ -13942,7 +13942,7 @@
                 <a:cs typeface="Helvetica Neue"/>
                 <a:sym typeface="Helvetica Neue"/>
               </a:rPr>
-              <a:t>Maps user text query to closest book, for use in Book Title and Plot Search </a:t>
+              <a:t>Dynamically maps user text query to closest book, for use in Book Title, Similar Author, and Plot Search</a:t>
             </a:r>
             <a:endParaRPr sz="2200" dirty="0">
               <a:solidFill>
@@ -13982,8 +13982,58 @@
                 <a:cs typeface="Helvetica Neue"/>
                 <a:sym typeface="Helvetica Neue"/>
               </a:rPr>
-              <a:t>Calculates “distances” between books based on STS for use in Plot Search </a:t>
+              <a:t>We Precalculated “distances” between books based on STS for use in Book Title and Similar Author Search</a:t>
             </a:r>
+          </a:p>
+          <a:p>
+            <a:pPr marL="457200" lvl="0" indent="-315912" algn="l" rtl="0">
+              <a:lnSpc>
+                <a:spcPct val="115000"/>
+              </a:lnSpc>
+              <a:spcBef>
+                <a:spcPts val="0"/>
+              </a:spcBef>
+              <a:spcAft>
+                <a:spcPts val="0"/>
+              </a:spcAft>
+              <a:buClr>
+                <a:srgbClr val="111111"/>
+              </a:buClr>
+              <a:buSzPct val="100000"/>
+              <a:buFont typeface="Helvetica Neue"/>
+              <a:buChar char="●"/>
+            </a:pPr>
+            <a:r>
+              <a:rPr lang="en-US" sz="2200" dirty="0">
+                <a:solidFill>
+                  <a:srgbClr val="111111"/>
+                </a:solidFill>
+                <a:latin typeface="+mn-lt"/>
+                <a:ea typeface="Helvetica Neue"/>
+                <a:cs typeface="Helvetica Neue"/>
+                <a:sym typeface="Helvetica Neue"/>
+              </a:rPr>
+              <a:t>(For Plot Search, we dynamically matched query to all books – no precalculated distances)</a:t>
+            </a:r>
+          </a:p>
+          <a:p>
+            <a:pPr marL="457200" lvl="0" indent="-315912" algn="l" rtl="0">
+              <a:lnSpc>
+                <a:spcPct val="115000"/>
+              </a:lnSpc>
+              <a:spcBef>
+                <a:spcPts val="0"/>
+              </a:spcBef>
+              <a:spcAft>
+                <a:spcPts val="0"/>
+              </a:spcAft>
+              <a:buClr>
+                <a:srgbClr val="111111"/>
+              </a:buClr>
+              <a:buSzPct val="100000"/>
+              <a:buFont typeface="Helvetica Neue"/>
+              <a:buChar char="●"/>
+            </a:pPr>
             <a:endParaRPr sz="1800" b="0" i="0" u="none" strike="noStrike" cap="none" dirty="0">
               <a:solidFill>
                 <a:srgbClr val="111111"/>
@@ -14509,7 +14559,7 @@
         </p:spPr>
         <p:txBody>
           <a:bodyPr spcFirstLastPara="1" wrap="square" lIns="91425" tIns="91425" rIns="91425" bIns="91425" anchor="t" anchorCtr="0">
-            <a:normAutofit/>
+            <a:normAutofit lnSpcReduction="10000"/>
           </a:bodyPr>
           <a:lstStyle/>
           <a:p>
@@ -14570,7 +14620,7 @@
                 <a:cs typeface="Helvetica Neue"/>
                 <a:sym typeface="Helvetica Neue"/>
               </a:rPr>
-              <a:t>Detectives that solve murders from long ago. </a:t>
+              <a:t>Detectives investigate murders from a long time ago. </a:t>
             </a:r>
             <a:endParaRPr sz="1195" b="0" i="0" u="none" strike="noStrike" cap="none" dirty="0">
               <a:solidFill>
